--- a/ML ventas.pptx
+++ b/ML ventas.pptx
@@ -281,7 +281,7 @@
   <pc:docChgLst>
     <pc:chgData name="Helena Montero Martin" userId="96300c2d6d9504f0" providerId="LiveId" clId="{1ECB73FC-F7A7-48DB-936C-4F6DA60B7E72}"/>
     <pc:docChg chg="undo custSel modSld">
-      <pc:chgData name="Helena Montero Martin" userId="96300c2d6d9504f0" providerId="LiveId" clId="{1ECB73FC-F7A7-48DB-936C-4F6DA60B7E72}" dt="2024-07-06T07:25:36.838" v="496" actId="1076"/>
+      <pc:chgData name="Helena Montero Martin" userId="96300c2d6d9504f0" providerId="LiveId" clId="{1ECB73FC-F7A7-48DB-936C-4F6DA60B7E72}" dt="2024-07-06T08:03:20.325" v="518" actId="20577"/>
       <pc:docMkLst>
         <pc:docMk/>
       </pc:docMkLst>
@@ -403,7 +403,7 @@
         </pc:spChg>
       </pc:sldChg>
       <pc:sldChg chg="addSp delSp modSp mod">
-        <pc:chgData name="Helena Montero Martin" userId="96300c2d6d9504f0" providerId="LiveId" clId="{1ECB73FC-F7A7-48DB-936C-4F6DA60B7E72}" dt="2024-07-06T07:25:36.838" v="496" actId="1076"/>
+        <pc:chgData name="Helena Montero Martin" userId="96300c2d6d9504f0" providerId="LiveId" clId="{1ECB73FC-F7A7-48DB-936C-4F6DA60B7E72}" dt="2024-07-06T08:03:20.325" v="518" actId="20577"/>
         <pc:sldMkLst>
           <pc:docMk/>
           <pc:sldMk cId="3658209641" sldId="306"/>
@@ -433,7 +433,7 @@
           </ac:spMkLst>
         </pc:spChg>
         <pc:spChg chg="add del mod">
-          <ac:chgData name="Helena Montero Martin" userId="96300c2d6d9504f0" providerId="LiveId" clId="{1ECB73FC-F7A7-48DB-936C-4F6DA60B7E72}" dt="2024-07-06T07:25:25.005" v="495" actId="1076"/>
+          <ac:chgData name="Helena Montero Martin" userId="96300c2d6d9504f0" providerId="LiveId" clId="{1ECB73FC-F7A7-48DB-936C-4F6DA60B7E72}" dt="2024-07-06T08:03:20.325" v="518" actId="20577"/>
           <ac:spMkLst>
             <pc:docMk/>
             <pc:sldMk cId="3658209641" sldId="306"/>
@@ -441,7 +441,7 @@
           </ac:spMkLst>
         </pc:spChg>
         <pc:spChg chg="add mod">
-          <ac:chgData name="Helena Montero Martin" userId="96300c2d6d9504f0" providerId="LiveId" clId="{1ECB73FC-F7A7-48DB-936C-4F6DA60B7E72}" dt="2024-07-06T07:24:26.781" v="417" actId="1076"/>
+          <ac:chgData name="Helena Montero Martin" userId="96300c2d6d9504f0" providerId="LiveId" clId="{1ECB73FC-F7A7-48DB-936C-4F6DA60B7E72}" dt="2024-07-06T08:03:06.874" v="514" actId="20577"/>
           <ac:spMkLst>
             <pc:docMk/>
             <pc:sldMk cId="3658209641" sldId="306"/>
@@ -9004,7 +9004,7 @@
             </a:pPr>
             <a:r>
               <a:rPr lang="es-ES" dirty="0"/>
-              <a:t>Darle más profundidad al árbol, aún hay muchos nodos en el ultimo nivel con un GINI alto.</a:t>
+              <a:t>Darle más profundidad al árbol, aún hay muchos nodos en el último nivel con un GINI alto.</a:t>
             </a:r>
           </a:p>
           <a:p>
@@ -9087,7 +9087,7 @@
             <a:pPr algn="l"/>
             <a:r>
               <a:rPr lang="es-ES" dirty="0"/>
-              <a:t>METRICAS Y MATRIZ DE CONFUSION</a:t>
+              <a:t>CONCLUSIONES</a:t>
             </a:r>
           </a:p>
         </p:txBody>
